--- a/application/src/app/view/resource_png/자판기 리소스.pptx
+++ b/application/src/app/view/resource_png/자판기 리소스.pptx
@@ -13808,14 +13808,14 @@
               <a:t>&gt;</a:t>
             </a:r>
             <a:r>
-              <a:rPr lang="ko" altLang="en-US" sz="9600" dirty="0">
+              <a:rPr lang="ko-KR" altLang="en-US" sz="9600" dirty="0">
                 <a:solidFill>
                   <a:schemeClr val="dk1"/>
                 </a:solidFill>
                 <a:latin typeface="Neo둥근모" panose="02010509060201040203" pitchFamily="1" charset="-127"/>
                 <a:ea typeface="Neo둥근모" panose="02010509060201040203" pitchFamily="1" charset="-127"/>
               </a:rPr>
-              <a:t>총</a:t>
+              <a:t>자동판매액</a:t>
             </a:r>
             <a:r>
               <a:rPr lang="en-US" altLang="ko" sz="9600" dirty="0">
@@ -13825,27 +13825,7 @@
                 <a:latin typeface="Neo둥근모" panose="02010509060201040203" pitchFamily="1" charset="-127"/>
                 <a:ea typeface="Neo둥근모" panose="02010509060201040203" pitchFamily="1" charset="-127"/>
               </a:rPr>
-              <a:t> </a:t>
-            </a:r>
-            <a:r>
-              <a:rPr lang="ko" altLang="en-US" sz="9600" dirty="0">
-                <a:solidFill>
-                  <a:schemeClr val="dk1"/>
-                </a:solidFill>
-                <a:latin typeface="Neo둥근모" panose="02010509060201040203" pitchFamily="1" charset="-127"/>
-                <a:ea typeface="Neo둥근모" panose="02010509060201040203" pitchFamily="1" charset="-127"/>
-              </a:rPr>
-              <a:t>판매액</a:t>
-            </a:r>
-            <a:r>
-              <a:rPr lang="en-US" altLang="ko" sz="9600" dirty="0">
-                <a:solidFill>
-                  <a:schemeClr val="dk1"/>
-                </a:solidFill>
-                <a:latin typeface="Neo둥근모" panose="02010509060201040203" pitchFamily="1" charset="-127"/>
-                <a:ea typeface="Neo둥근모" panose="02010509060201040203" pitchFamily="1" charset="-127"/>
-              </a:rPr>
-              <a:t>           </a:t>
+              <a:t>          </a:t>
             </a:r>
             <a:r>
               <a:rPr lang="ko" altLang="en-US" sz="9600" dirty="0">

--- a/application/src/app/view/resource_png/자판기 리소스.pptx
+++ b/application/src/app/view/resource_png/자판기 리소스.pptx
@@ -13734,6 +13734,26 @@
               <a:t>&gt;</a:t>
             </a:r>
             <a:r>
+              <a:rPr lang="ko-KR" altLang="en-US" sz="9600" dirty="0">
+                <a:solidFill>
+                  <a:schemeClr val="dk1"/>
+                </a:solidFill>
+                <a:latin typeface="Neo둥근모" panose="02010509060201040203" pitchFamily="1" charset="-127"/>
+                <a:ea typeface="Neo둥근모" panose="02010509060201040203" pitchFamily="1" charset="-127"/>
+              </a:rPr>
+              <a:t>자동 </a:t>
+            </a:r>
+            <a:r>
+              <a:rPr lang="ko-KR" altLang="en-US" sz="9600" dirty="0" err="1">
+                <a:solidFill>
+                  <a:schemeClr val="dk1"/>
+                </a:solidFill>
+                <a:latin typeface="Neo둥근모" panose="02010509060201040203" pitchFamily="1" charset="-127"/>
+                <a:ea typeface="Neo둥근모" panose="02010509060201040203" pitchFamily="1" charset="-127"/>
+              </a:rPr>
+              <a:t>판매건</a:t>
+            </a:r>
+            <a:r>
               <a:rPr lang="ko" altLang="en-US" sz="9600" dirty="0">
                 <a:solidFill>
                   <a:schemeClr val="dk1"/>
@@ -13741,7 +13761,7 @@
                 <a:latin typeface="Neo둥근모" panose="02010509060201040203" pitchFamily="1" charset="-127"/>
                 <a:ea typeface="Neo둥근모" panose="02010509060201040203" pitchFamily="1" charset="-127"/>
               </a:rPr>
-              <a:t>총</a:t>
+              <a:t>       </a:t>
             </a:r>
             <a:r>
               <a:rPr lang="en-US" altLang="ko" sz="9600" dirty="0">
@@ -13751,27 +13771,7 @@
                 <a:latin typeface="Neo둥근모" panose="02010509060201040203" pitchFamily="1" charset="-127"/>
                 <a:ea typeface="Neo둥근모" panose="02010509060201040203" pitchFamily="1" charset="-127"/>
               </a:rPr>
-              <a:t> </a:t>
-            </a:r>
-            <a:r>
-              <a:rPr lang="ko" altLang="en-US" sz="9600" dirty="0">
-                <a:solidFill>
-                  <a:schemeClr val="dk1"/>
-                </a:solidFill>
-                <a:latin typeface="Neo둥근모" panose="02010509060201040203" pitchFamily="1" charset="-127"/>
-                <a:ea typeface="Neo둥근모" panose="02010509060201040203" pitchFamily="1" charset="-127"/>
-              </a:rPr>
-              <a:t>판매건        </a:t>
-            </a:r>
-            <a:r>
-              <a:rPr lang="en-US" altLang="ko" sz="9600" dirty="0">
-                <a:solidFill>
-                  <a:schemeClr val="dk1"/>
-                </a:solidFill>
-                <a:latin typeface="Neo둥근모" panose="02010509060201040203" pitchFamily="1" charset="-127"/>
-                <a:ea typeface="Neo둥근모" panose="02010509060201040203" pitchFamily="1" charset="-127"/>
-              </a:rPr>
-              <a:t>   </a:t>
+              <a:t>  </a:t>
             </a:r>
             <a:r>
               <a:rPr lang="ko" altLang="en-US" sz="9600" dirty="0">
@@ -13815,7 +13815,7 @@
                 <a:latin typeface="Neo둥근모" panose="02010509060201040203" pitchFamily="1" charset="-127"/>
                 <a:ea typeface="Neo둥근모" panose="02010509060201040203" pitchFamily="1" charset="-127"/>
               </a:rPr>
-              <a:t>자동판매액</a:t>
+              <a:t>자동 판매액</a:t>
             </a:r>
             <a:r>
               <a:rPr lang="en-US" altLang="ko" sz="9600" dirty="0">
@@ -13825,7 +13825,7 @@
                 <a:latin typeface="Neo둥근모" panose="02010509060201040203" pitchFamily="1" charset="-127"/>
                 <a:ea typeface="Neo둥근모" panose="02010509060201040203" pitchFamily="1" charset="-127"/>
               </a:rPr>
-              <a:t>          </a:t>
+              <a:t>         </a:t>
             </a:r>
             <a:r>
               <a:rPr lang="ko" altLang="en-US" sz="9600" dirty="0">
